--- a/docs/Monkey Search Algorithm.pptx
+++ b/docs/Monkey Search Algorithm.pptx
@@ -1238,7 +1238,7 @@
   <p:cSld>
     <p:spTree>
       <p:nvGrpSpPr>
-        <p:cNvPr id="346" name="Shape 346"/>
+        <p:cNvPr id="355" name="Shape 355"/>
         <p:cNvGrpSpPr/>
         <p:nvPr/>
       </p:nvGrpSpPr>
@@ -1252,7 +1252,7 @@
       </p:grpSpPr>
       <p:sp>
         <p:nvSpPr>
-          <p:cNvPr id="347" name="Google Shape;347;g3598d6ceb40_0_497:notes"/>
+          <p:cNvPr id="356" name="Google Shape;356;g3598d6ceb40_0_497:notes"/>
           <p:cNvSpPr/>
           <p:nvPr>
             <p:ph idx="2" type="sldImg"/>
@@ -1287,7 +1287,7 @@
       </p:sp>
       <p:sp>
         <p:nvSpPr>
-          <p:cNvPr id="348" name="Google Shape;348;g3598d6ceb40_0_497:notes"/>
+          <p:cNvPr id="357" name="Google Shape;357;g3598d6ceb40_0_497:notes"/>
           <p:cNvSpPr txBox="1"/>
           <p:nvPr>
             <p:ph idx="1" type="body"/>
@@ -1345,7 +1345,7 @@
   <p:cSld>
     <p:spTree>
       <p:nvGrpSpPr>
-        <p:cNvPr id="364" name="Shape 364"/>
+        <p:cNvPr id="373" name="Shape 373"/>
         <p:cNvGrpSpPr/>
         <p:nvPr/>
       </p:nvGrpSpPr>
@@ -1359,7 +1359,7 @@
       </p:grpSpPr>
       <p:sp>
         <p:nvSpPr>
-          <p:cNvPr id="365" name="Google Shape;365;g3598d6ceb40_0_1001:notes"/>
+          <p:cNvPr id="374" name="Google Shape;374;g3598d6ceb40_0_1001:notes"/>
           <p:cNvSpPr/>
           <p:nvPr>
             <p:ph idx="2" type="sldImg"/>
@@ -1394,7 +1394,7 @@
       </p:sp>
       <p:sp>
         <p:nvSpPr>
-          <p:cNvPr id="366" name="Google Shape;366;g3598d6ceb40_0_1001:notes"/>
+          <p:cNvPr id="375" name="Google Shape;375;g3598d6ceb40_0_1001:notes"/>
           <p:cNvSpPr txBox="1"/>
           <p:nvPr>
             <p:ph idx="1" type="body"/>
@@ -1444,7 +1444,7 @@
   <p:cSld>
     <p:spTree>
       <p:nvGrpSpPr>
-        <p:cNvPr id="380" name="Shape 380"/>
+        <p:cNvPr id="389" name="Shape 389"/>
         <p:cNvGrpSpPr/>
         <p:nvPr/>
       </p:nvGrpSpPr>
@@ -1458,7 +1458,7 @@
       </p:grpSpPr>
       <p:sp>
         <p:nvSpPr>
-          <p:cNvPr id="381" name="Google Shape;381;g3598d6ceb40_0_1032:notes"/>
+          <p:cNvPr id="390" name="Google Shape;390;g3598d6ceb40_0_1032:notes"/>
           <p:cNvSpPr/>
           <p:nvPr>
             <p:ph idx="2" type="sldImg"/>
@@ -1493,7 +1493,7 @@
       </p:sp>
       <p:sp>
         <p:nvSpPr>
-          <p:cNvPr id="382" name="Google Shape;382;g3598d6ceb40_0_1032:notes"/>
+          <p:cNvPr id="391" name="Google Shape;391;g3598d6ceb40_0_1032:notes"/>
           <p:cNvSpPr txBox="1"/>
           <p:nvPr>
             <p:ph idx="1" type="body"/>
@@ -1543,7 +1543,7 @@
   <p:cSld>
     <p:spTree>
       <p:nvGrpSpPr>
-        <p:cNvPr id="395" name="Shape 395"/>
+        <p:cNvPr id="404" name="Shape 404"/>
         <p:cNvGrpSpPr/>
         <p:nvPr/>
       </p:nvGrpSpPr>
@@ -1557,7 +1557,7 @@
       </p:grpSpPr>
       <p:sp>
         <p:nvSpPr>
-          <p:cNvPr id="396" name="Google Shape;396;g3598d6ceb40_0_671:notes"/>
+          <p:cNvPr id="405" name="Google Shape;405;g3598d6ceb40_0_671:notes"/>
           <p:cNvSpPr/>
           <p:nvPr>
             <p:ph idx="2" type="sldImg"/>
@@ -1592,7 +1592,7 @@
       </p:sp>
       <p:sp>
         <p:nvSpPr>
-          <p:cNvPr id="397" name="Google Shape;397;g3598d6ceb40_0_671:notes"/>
+          <p:cNvPr id="406" name="Google Shape;406;g3598d6ceb40_0_671:notes"/>
           <p:cNvSpPr txBox="1"/>
           <p:nvPr>
             <p:ph idx="1" type="body"/>
@@ -33722,6 +33722,18 @@
     <p:sldLayoutId id="2147483682" r:id="rId35"/>
     <p:sldLayoutId id="2147483683" r:id="rId36"/>
   </p:sldLayoutIdLst>
+  <mc:AlternateContent>
+    <mc:Choice Requires="p14">
+      <p:transition spd="med">
+        <p14:gallery dir="l"/>
+      </p:transition>
+    </mc:Choice>
+    <mc:Fallback>
+      <p:transition spd="med">
+        <p:fade/>
+      </p:transition>
+    </mc:Fallback>
+  </mc:AlternateContent>
   <p:hf dt="0" ftr="0" hdr="0" sldNum="0"/>
   <p:txStyles>
     <p:titleStyle>
@@ -36517,6 +36529,716 @@
   <p:clrMapOvr>
     <a:masterClrMapping/>
   </p:clrMapOvr>
+  <p:timing>
+    <p:tnLst>
+      <p:par>
+        <p:cTn dur="indefinite" nodeType="tmRoot" restart="never">
+          <p:childTnLst>
+            <p:seq concurrent="1" nextAc="seek">
+              <p:cTn dur="indefinite" id="2" nodeType="mainSeq">
+                <p:childTnLst>
+                  <p:par>
+                    <p:cTn fill="hold">
+                      <p:stCondLst>
+                        <p:cond delay="indefinite"/>
+                      </p:stCondLst>
+                      <p:childTnLst>
+                        <p:par>
+                          <p:cTn fill="hold">
+                            <p:stCondLst>
+                              <p:cond delay="0"/>
+                            </p:stCondLst>
+                            <p:childTnLst>
+                              <p:par>
+                                <p:cTn fill="hold" nodeType="clickEffect" presetClass="entr" presetID="2" presetSubtype="4">
+                                  <p:stCondLst>
+                                    <p:cond delay="0"/>
+                                  </p:stCondLst>
+                                  <p:childTnLst>
+                                    <p:set>
+                                      <p:cBhvr>
+                                        <p:cTn dur="1" fill="hold">
+                                          <p:stCondLst>
+                                            <p:cond delay="0"/>
+                                          </p:stCondLst>
+                                        </p:cTn>
+                                        <p:tgtEl>
+                                          <p:spTgt spid="318"/>
+                                        </p:tgtEl>
+                                        <p:attrNameLst>
+                                          <p:attrName>style.visibility</p:attrName>
+                                        </p:attrNameLst>
+                                      </p:cBhvr>
+                                      <p:to>
+                                        <p:strVal val="visible"/>
+                                      </p:to>
+                                    </p:set>
+                                    <p:anim calcmode="lin" valueType="num">
+                                      <p:cBhvr additive="base">
+                                        <p:cTn dur="1000"/>
+                                        <p:tgtEl>
+                                          <p:spTgt spid="318"/>
+                                        </p:tgtEl>
+                                        <p:attrNameLst>
+                                          <p:attrName>ppt_y</p:attrName>
+                                        </p:attrNameLst>
+                                      </p:cBhvr>
+                                      <p:tavLst>
+                                        <p:tav fmla="" tm="0">
+                                          <p:val>
+                                            <p:strVal val="#ppt_y+1"/>
+                                          </p:val>
+                                        </p:tav>
+                                        <p:tav fmla="" tm="100000">
+                                          <p:val>
+                                            <p:strVal val="#ppt_y"/>
+                                          </p:val>
+                                        </p:tav>
+                                      </p:tavLst>
+                                    </p:anim>
+                                  </p:childTnLst>
+                                </p:cTn>
+                              </p:par>
+                            </p:childTnLst>
+                          </p:cTn>
+                        </p:par>
+                      </p:childTnLst>
+                    </p:cTn>
+                  </p:par>
+                  <p:par>
+                    <p:cTn fill="hold">
+                      <p:stCondLst>
+                        <p:cond delay="indefinite"/>
+                      </p:stCondLst>
+                      <p:childTnLst>
+                        <p:par>
+                          <p:cTn fill="hold">
+                            <p:stCondLst>
+                              <p:cond delay="0"/>
+                            </p:stCondLst>
+                            <p:childTnLst>
+                              <p:par>
+                                <p:cTn fill="hold" nodeType="clickEffect" presetClass="entr" presetID="2" presetSubtype="2">
+                                  <p:stCondLst>
+                                    <p:cond delay="0"/>
+                                  </p:stCondLst>
+                                  <p:childTnLst>
+                                    <p:set>
+                                      <p:cBhvr>
+                                        <p:cTn dur="1" fill="hold">
+                                          <p:stCondLst>
+                                            <p:cond delay="0"/>
+                                          </p:stCondLst>
+                                        </p:cTn>
+                                        <p:tgtEl>
+                                          <p:spTgt spid="317"/>
+                                        </p:tgtEl>
+                                        <p:attrNameLst>
+                                          <p:attrName>style.visibility</p:attrName>
+                                        </p:attrNameLst>
+                                      </p:cBhvr>
+                                      <p:to>
+                                        <p:strVal val="visible"/>
+                                      </p:to>
+                                    </p:set>
+                                    <p:anim calcmode="lin" valueType="num">
+                                      <p:cBhvr additive="base">
+                                        <p:cTn dur="1000"/>
+                                        <p:tgtEl>
+                                          <p:spTgt spid="317"/>
+                                        </p:tgtEl>
+                                        <p:attrNameLst>
+                                          <p:attrName>ppt_x</p:attrName>
+                                        </p:attrNameLst>
+                                      </p:cBhvr>
+                                      <p:tavLst>
+                                        <p:tav fmla="" tm="0">
+                                          <p:val>
+                                            <p:strVal val="#ppt_x+1"/>
+                                          </p:val>
+                                        </p:tav>
+                                        <p:tav fmla="" tm="100000">
+                                          <p:val>
+                                            <p:strVal val="#ppt_x"/>
+                                          </p:val>
+                                        </p:tav>
+                                      </p:tavLst>
+                                    </p:anim>
+                                  </p:childTnLst>
+                                </p:cTn>
+                              </p:par>
+                            </p:childTnLst>
+                          </p:cTn>
+                        </p:par>
+                      </p:childTnLst>
+                    </p:cTn>
+                  </p:par>
+                  <p:par>
+                    <p:cTn fill="hold">
+                      <p:stCondLst>
+                        <p:cond delay="indefinite"/>
+                      </p:stCondLst>
+                      <p:childTnLst>
+                        <p:par>
+                          <p:cTn fill="hold">
+                            <p:stCondLst>
+                              <p:cond delay="0"/>
+                            </p:stCondLst>
+                            <p:childTnLst>
+                              <p:par>
+                                <p:cTn fill="hold" nodeType="clickEffect" presetClass="entr" presetID="2" presetSubtype="4">
+                                  <p:stCondLst>
+                                    <p:cond delay="0"/>
+                                  </p:stCondLst>
+                                  <p:childTnLst>
+                                    <p:set>
+                                      <p:cBhvr>
+                                        <p:cTn dur="1" fill="hold">
+                                          <p:stCondLst>
+                                            <p:cond delay="0"/>
+                                          </p:stCondLst>
+                                        </p:cTn>
+                                        <p:tgtEl>
+                                          <p:spTgt spid="323"/>
+                                        </p:tgtEl>
+                                        <p:attrNameLst>
+                                          <p:attrName>style.visibility</p:attrName>
+                                        </p:attrNameLst>
+                                      </p:cBhvr>
+                                      <p:to>
+                                        <p:strVal val="visible"/>
+                                      </p:to>
+                                    </p:set>
+                                    <p:anim calcmode="lin" valueType="num">
+                                      <p:cBhvr additive="base">
+                                        <p:cTn dur="1000"/>
+                                        <p:tgtEl>
+                                          <p:spTgt spid="323"/>
+                                        </p:tgtEl>
+                                        <p:attrNameLst>
+                                          <p:attrName>ppt_y</p:attrName>
+                                        </p:attrNameLst>
+                                      </p:cBhvr>
+                                      <p:tavLst>
+                                        <p:tav fmla="" tm="0">
+                                          <p:val>
+                                            <p:strVal val="#ppt_y+1"/>
+                                          </p:val>
+                                        </p:tav>
+                                        <p:tav fmla="" tm="100000">
+                                          <p:val>
+                                            <p:strVal val="#ppt_y"/>
+                                          </p:val>
+                                        </p:tav>
+                                      </p:tavLst>
+                                    </p:anim>
+                                  </p:childTnLst>
+                                </p:cTn>
+                              </p:par>
+                            </p:childTnLst>
+                          </p:cTn>
+                        </p:par>
+                      </p:childTnLst>
+                    </p:cTn>
+                  </p:par>
+                  <p:par>
+                    <p:cTn fill="hold">
+                      <p:stCondLst>
+                        <p:cond delay="indefinite"/>
+                      </p:stCondLst>
+                      <p:childTnLst>
+                        <p:par>
+                          <p:cTn fill="hold">
+                            <p:stCondLst>
+                              <p:cond delay="0"/>
+                            </p:stCondLst>
+                            <p:childTnLst>
+                              <p:par>
+                                <p:cTn fill="hold" nodeType="clickEffect" presetClass="entr" presetID="2" presetSubtype="2">
+                                  <p:stCondLst>
+                                    <p:cond delay="0"/>
+                                  </p:stCondLst>
+                                  <p:childTnLst>
+                                    <p:set>
+                                      <p:cBhvr>
+                                        <p:cTn dur="1" fill="hold">
+                                          <p:stCondLst>
+                                            <p:cond delay="0"/>
+                                          </p:stCondLst>
+                                        </p:cTn>
+                                        <p:tgtEl>
+                                          <p:spTgt spid="319"/>
+                                        </p:tgtEl>
+                                        <p:attrNameLst>
+                                          <p:attrName>style.visibility</p:attrName>
+                                        </p:attrNameLst>
+                                      </p:cBhvr>
+                                      <p:to>
+                                        <p:strVal val="visible"/>
+                                      </p:to>
+                                    </p:set>
+                                    <p:anim calcmode="lin" valueType="num">
+                                      <p:cBhvr additive="base">
+                                        <p:cTn dur="1000"/>
+                                        <p:tgtEl>
+                                          <p:spTgt spid="319"/>
+                                        </p:tgtEl>
+                                        <p:attrNameLst>
+                                          <p:attrName>ppt_x</p:attrName>
+                                        </p:attrNameLst>
+                                      </p:cBhvr>
+                                      <p:tavLst>
+                                        <p:tav fmla="" tm="0">
+                                          <p:val>
+                                            <p:strVal val="#ppt_x+1"/>
+                                          </p:val>
+                                        </p:tav>
+                                        <p:tav fmla="" tm="100000">
+                                          <p:val>
+                                            <p:strVal val="#ppt_x"/>
+                                          </p:val>
+                                        </p:tav>
+                                      </p:tavLst>
+                                    </p:anim>
+                                  </p:childTnLst>
+                                </p:cTn>
+                              </p:par>
+                            </p:childTnLst>
+                          </p:cTn>
+                        </p:par>
+                      </p:childTnLst>
+                    </p:cTn>
+                  </p:par>
+                  <p:par>
+                    <p:cTn fill="hold">
+                      <p:stCondLst>
+                        <p:cond delay="indefinite"/>
+                      </p:stCondLst>
+                      <p:childTnLst>
+                        <p:par>
+                          <p:cTn fill="hold">
+                            <p:stCondLst>
+                              <p:cond delay="0"/>
+                            </p:stCondLst>
+                            <p:childTnLst>
+                              <p:par>
+                                <p:cTn fill="hold" nodeType="clickEffect" presetClass="entr" presetID="2" presetSubtype="4">
+                                  <p:stCondLst>
+                                    <p:cond delay="0"/>
+                                  </p:stCondLst>
+                                  <p:childTnLst>
+                                    <p:set>
+                                      <p:cBhvr>
+                                        <p:cTn dur="1" fill="hold">
+                                          <p:stCondLst>
+                                            <p:cond delay="0"/>
+                                          </p:stCondLst>
+                                        </p:cTn>
+                                        <p:tgtEl>
+                                          <p:spTgt spid="324"/>
+                                        </p:tgtEl>
+                                        <p:attrNameLst>
+                                          <p:attrName>style.visibility</p:attrName>
+                                        </p:attrNameLst>
+                                      </p:cBhvr>
+                                      <p:to>
+                                        <p:strVal val="visible"/>
+                                      </p:to>
+                                    </p:set>
+                                    <p:anim calcmode="lin" valueType="num">
+                                      <p:cBhvr additive="base">
+                                        <p:cTn dur="1000"/>
+                                        <p:tgtEl>
+                                          <p:spTgt spid="324"/>
+                                        </p:tgtEl>
+                                        <p:attrNameLst>
+                                          <p:attrName>ppt_y</p:attrName>
+                                        </p:attrNameLst>
+                                      </p:cBhvr>
+                                      <p:tavLst>
+                                        <p:tav fmla="" tm="0">
+                                          <p:val>
+                                            <p:strVal val="#ppt_y+1"/>
+                                          </p:val>
+                                        </p:tav>
+                                        <p:tav fmla="" tm="100000">
+                                          <p:val>
+                                            <p:strVal val="#ppt_y"/>
+                                          </p:val>
+                                        </p:tav>
+                                      </p:tavLst>
+                                    </p:anim>
+                                  </p:childTnLst>
+                                </p:cTn>
+                              </p:par>
+                            </p:childTnLst>
+                          </p:cTn>
+                        </p:par>
+                      </p:childTnLst>
+                    </p:cTn>
+                  </p:par>
+                  <p:par>
+                    <p:cTn fill="hold">
+                      <p:stCondLst>
+                        <p:cond delay="indefinite"/>
+                      </p:stCondLst>
+                      <p:childTnLst>
+                        <p:par>
+                          <p:cTn fill="hold">
+                            <p:stCondLst>
+                              <p:cond delay="0"/>
+                            </p:stCondLst>
+                            <p:childTnLst>
+                              <p:par>
+                                <p:cTn fill="hold" nodeType="clickEffect" presetClass="entr" presetID="2" presetSubtype="2">
+                                  <p:stCondLst>
+                                    <p:cond delay="0"/>
+                                  </p:stCondLst>
+                                  <p:childTnLst>
+                                    <p:set>
+                                      <p:cBhvr>
+                                        <p:cTn dur="1" fill="hold">
+                                          <p:stCondLst>
+                                            <p:cond delay="0"/>
+                                          </p:stCondLst>
+                                        </p:cTn>
+                                        <p:tgtEl>
+                                          <p:spTgt spid="320"/>
+                                        </p:tgtEl>
+                                        <p:attrNameLst>
+                                          <p:attrName>style.visibility</p:attrName>
+                                        </p:attrNameLst>
+                                      </p:cBhvr>
+                                      <p:to>
+                                        <p:strVal val="visible"/>
+                                      </p:to>
+                                    </p:set>
+                                    <p:anim calcmode="lin" valueType="num">
+                                      <p:cBhvr additive="base">
+                                        <p:cTn dur="1000"/>
+                                        <p:tgtEl>
+                                          <p:spTgt spid="320"/>
+                                        </p:tgtEl>
+                                        <p:attrNameLst>
+                                          <p:attrName>ppt_x</p:attrName>
+                                        </p:attrNameLst>
+                                      </p:cBhvr>
+                                      <p:tavLst>
+                                        <p:tav fmla="" tm="0">
+                                          <p:val>
+                                            <p:strVal val="#ppt_x+1"/>
+                                          </p:val>
+                                        </p:tav>
+                                        <p:tav fmla="" tm="100000">
+                                          <p:val>
+                                            <p:strVal val="#ppt_x"/>
+                                          </p:val>
+                                        </p:tav>
+                                      </p:tavLst>
+                                    </p:anim>
+                                  </p:childTnLst>
+                                </p:cTn>
+                              </p:par>
+                            </p:childTnLst>
+                          </p:cTn>
+                        </p:par>
+                      </p:childTnLst>
+                    </p:cTn>
+                  </p:par>
+                  <p:par>
+                    <p:cTn fill="hold">
+                      <p:stCondLst>
+                        <p:cond delay="indefinite"/>
+                      </p:stCondLst>
+                      <p:childTnLst>
+                        <p:par>
+                          <p:cTn fill="hold">
+                            <p:stCondLst>
+                              <p:cond delay="0"/>
+                            </p:stCondLst>
+                            <p:childTnLst>
+                              <p:par>
+                                <p:cTn fill="hold" nodeType="clickEffect" presetClass="entr" presetID="2" presetSubtype="4">
+                                  <p:stCondLst>
+                                    <p:cond delay="0"/>
+                                  </p:stCondLst>
+                                  <p:childTnLst>
+                                    <p:set>
+                                      <p:cBhvr>
+                                        <p:cTn dur="1" fill="hold">
+                                          <p:stCondLst>
+                                            <p:cond delay="0"/>
+                                          </p:stCondLst>
+                                        </p:cTn>
+                                        <p:tgtEl>
+                                          <p:spTgt spid="325"/>
+                                        </p:tgtEl>
+                                        <p:attrNameLst>
+                                          <p:attrName>style.visibility</p:attrName>
+                                        </p:attrNameLst>
+                                      </p:cBhvr>
+                                      <p:to>
+                                        <p:strVal val="visible"/>
+                                      </p:to>
+                                    </p:set>
+                                    <p:anim calcmode="lin" valueType="num">
+                                      <p:cBhvr additive="base">
+                                        <p:cTn dur="1000"/>
+                                        <p:tgtEl>
+                                          <p:spTgt spid="325"/>
+                                        </p:tgtEl>
+                                        <p:attrNameLst>
+                                          <p:attrName>ppt_y</p:attrName>
+                                        </p:attrNameLst>
+                                      </p:cBhvr>
+                                      <p:tavLst>
+                                        <p:tav fmla="" tm="0">
+                                          <p:val>
+                                            <p:strVal val="#ppt_y+1"/>
+                                          </p:val>
+                                        </p:tav>
+                                        <p:tav fmla="" tm="100000">
+                                          <p:val>
+                                            <p:strVal val="#ppt_y"/>
+                                          </p:val>
+                                        </p:tav>
+                                      </p:tavLst>
+                                    </p:anim>
+                                  </p:childTnLst>
+                                </p:cTn>
+                              </p:par>
+                            </p:childTnLst>
+                          </p:cTn>
+                        </p:par>
+                      </p:childTnLst>
+                    </p:cTn>
+                  </p:par>
+                  <p:par>
+                    <p:cTn fill="hold">
+                      <p:stCondLst>
+                        <p:cond delay="indefinite"/>
+                      </p:stCondLst>
+                      <p:childTnLst>
+                        <p:par>
+                          <p:cTn fill="hold">
+                            <p:stCondLst>
+                              <p:cond delay="0"/>
+                            </p:stCondLst>
+                            <p:childTnLst>
+                              <p:par>
+                                <p:cTn fill="hold" nodeType="clickEffect" presetClass="entr" presetID="2" presetSubtype="2">
+                                  <p:stCondLst>
+                                    <p:cond delay="0"/>
+                                  </p:stCondLst>
+                                  <p:childTnLst>
+                                    <p:set>
+                                      <p:cBhvr>
+                                        <p:cTn dur="1" fill="hold">
+                                          <p:stCondLst>
+                                            <p:cond delay="0"/>
+                                          </p:stCondLst>
+                                        </p:cTn>
+                                        <p:tgtEl>
+                                          <p:spTgt spid="321"/>
+                                        </p:tgtEl>
+                                        <p:attrNameLst>
+                                          <p:attrName>style.visibility</p:attrName>
+                                        </p:attrNameLst>
+                                      </p:cBhvr>
+                                      <p:to>
+                                        <p:strVal val="visible"/>
+                                      </p:to>
+                                    </p:set>
+                                    <p:anim calcmode="lin" valueType="num">
+                                      <p:cBhvr additive="base">
+                                        <p:cTn dur="1000"/>
+                                        <p:tgtEl>
+                                          <p:spTgt spid="321"/>
+                                        </p:tgtEl>
+                                        <p:attrNameLst>
+                                          <p:attrName>ppt_x</p:attrName>
+                                        </p:attrNameLst>
+                                      </p:cBhvr>
+                                      <p:tavLst>
+                                        <p:tav fmla="" tm="0">
+                                          <p:val>
+                                            <p:strVal val="#ppt_x+1"/>
+                                          </p:val>
+                                        </p:tav>
+                                        <p:tav fmla="" tm="100000">
+                                          <p:val>
+                                            <p:strVal val="#ppt_x"/>
+                                          </p:val>
+                                        </p:tav>
+                                      </p:tavLst>
+                                    </p:anim>
+                                  </p:childTnLst>
+                                </p:cTn>
+                              </p:par>
+                            </p:childTnLst>
+                          </p:cTn>
+                        </p:par>
+                      </p:childTnLst>
+                    </p:cTn>
+                  </p:par>
+                  <p:par>
+                    <p:cTn fill="hold">
+                      <p:stCondLst>
+                        <p:cond delay="indefinite"/>
+                      </p:stCondLst>
+                      <p:childTnLst>
+                        <p:par>
+                          <p:cTn fill="hold">
+                            <p:stCondLst>
+                              <p:cond delay="0"/>
+                            </p:stCondLst>
+                            <p:childTnLst>
+                              <p:par>
+                                <p:cTn fill="hold" nodeType="clickEffect" presetClass="entr" presetID="2" presetSubtype="4">
+                                  <p:stCondLst>
+                                    <p:cond delay="0"/>
+                                  </p:stCondLst>
+                                  <p:childTnLst>
+                                    <p:set>
+                                      <p:cBhvr>
+                                        <p:cTn dur="1" fill="hold">
+                                          <p:stCondLst>
+                                            <p:cond delay="0"/>
+                                          </p:stCondLst>
+                                        </p:cTn>
+                                        <p:tgtEl>
+                                          <p:spTgt spid="326"/>
+                                        </p:tgtEl>
+                                        <p:attrNameLst>
+                                          <p:attrName>style.visibility</p:attrName>
+                                        </p:attrNameLst>
+                                      </p:cBhvr>
+                                      <p:to>
+                                        <p:strVal val="visible"/>
+                                      </p:to>
+                                    </p:set>
+                                    <p:anim calcmode="lin" valueType="num">
+                                      <p:cBhvr additive="base">
+                                        <p:cTn dur="1000"/>
+                                        <p:tgtEl>
+                                          <p:spTgt spid="326"/>
+                                        </p:tgtEl>
+                                        <p:attrNameLst>
+                                          <p:attrName>ppt_y</p:attrName>
+                                        </p:attrNameLst>
+                                      </p:cBhvr>
+                                      <p:tavLst>
+                                        <p:tav fmla="" tm="0">
+                                          <p:val>
+                                            <p:strVal val="#ppt_y+1"/>
+                                          </p:val>
+                                        </p:tav>
+                                        <p:tav fmla="" tm="100000">
+                                          <p:val>
+                                            <p:strVal val="#ppt_y"/>
+                                          </p:val>
+                                        </p:tav>
+                                      </p:tavLst>
+                                    </p:anim>
+                                  </p:childTnLst>
+                                </p:cTn>
+                              </p:par>
+                            </p:childTnLst>
+                          </p:cTn>
+                        </p:par>
+                      </p:childTnLst>
+                    </p:cTn>
+                  </p:par>
+                  <p:par>
+                    <p:cTn fill="hold">
+                      <p:stCondLst>
+                        <p:cond delay="indefinite"/>
+                      </p:stCondLst>
+                      <p:childTnLst>
+                        <p:par>
+                          <p:cTn fill="hold">
+                            <p:stCondLst>
+                              <p:cond delay="0"/>
+                            </p:stCondLst>
+                            <p:childTnLst>
+                              <p:par>
+                                <p:cTn fill="hold" nodeType="clickEffect" presetClass="entr" presetID="2" presetSubtype="2">
+                                  <p:stCondLst>
+                                    <p:cond delay="0"/>
+                                  </p:stCondLst>
+                                  <p:childTnLst>
+                                    <p:set>
+                                      <p:cBhvr>
+                                        <p:cTn dur="1" fill="hold">
+                                          <p:stCondLst>
+                                            <p:cond delay="0"/>
+                                          </p:stCondLst>
+                                        </p:cTn>
+                                        <p:tgtEl>
+                                          <p:spTgt spid="322"/>
+                                        </p:tgtEl>
+                                        <p:attrNameLst>
+                                          <p:attrName>style.visibility</p:attrName>
+                                        </p:attrNameLst>
+                                      </p:cBhvr>
+                                      <p:to>
+                                        <p:strVal val="visible"/>
+                                      </p:to>
+                                    </p:set>
+                                    <p:anim calcmode="lin" valueType="num">
+                                      <p:cBhvr additive="base">
+                                        <p:cTn dur="1000"/>
+                                        <p:tgtEl>
+                                          <p:spTgt spid="322"/>
+                                        </p:tgtEl>
+                                        <p:attrNameLst>
+                                          <p:attrName>ppt_x</p:attrName>
+                                        </p:attrNameLst>
+                                      </p:cBhvr>
+                                      <p:tavLst>
+                                        <p:tav fmla="" tm="0">
+                                          <p:val>
+                                            <p:strVal val="#ppt_x+1"/>
+                                          </p:val>
+                                        </p:tav>
+                                        <p:tav fmla="" tm="100000">
+                                          <p:val>
+                                            <p:strVal val="#ppt_x"/>
+                                          </p:val>
+                                        </p:tav>
+                                      </p:tavLst>
+                                    </p:anim>
+                                  </p:childTnLst>
+                                </p:cTn>
+                              </p:par>
+                            </p:childTnLst>
+                          </p:cTn>
+                        </p:par>
+                      </p:childTnLst>
+                    </p:cTn>
+                  </p:par>
+                </p:childTnLst>
+              </p:cTn>
+              <p:prevCondLst>
+                <p:cond evt="onPrev">
+                  <p:tgtEl>
+                    <p:sldTgt/>
+                  </p:tgtEl>
+                </p:cond>
+              </p:prevCondLst>
+              <p:nextCondLst>
+                <p:cond evt="onNext">
+                  <p:tgtEl>
+                    <p:sldTgt/>
+                  </p:tgtEl>
+                </p:cond>
+              </p:nextCondLst>
+            </p:seq>
+          </p:childTnLst>
+        </p:cTn>
+      </p:par>
+    </p:tnLst>
+  </p:timing>
 </p:sld>
 </file>
 
@@ -37207,8 +37929,8 @@
         </p:nvSpPr>
         <p:spPr>
           <a:xfrm>
-            <a:off x="768425" y="1080000"/>
-            <a:ext cx="7335300" cy="4063500"/>
+            <a:off x="837250" y="966900"/>
+            <a:ext cx="3974400" cy="616200"/>
           </a:xfrm>
           <a:prstGeom prst="rect">
             <a:avLst/>
@@ -37220,7 +37942,7 @@
         </p:spPr>
         <p:txBody>
           <a:bodyPr anchorCtr="0" anchor="t" bIns="91425" lIns="91425" spcFirstLastPara="1" rIns="91425" wrap="square" tIns="91425">
-            <a:spAutoFit/>
+            <a:noAutofit/>
           </a:bodyPr>
           <a:lstStyle/>
           <a:p>
@@ -37275,6 +37997,32 @@
               <a:sym typeface="Lato"/>
             </a:endParaRPr>
           </a:p>
+        </p:txBody>
+      </p:sp>
+      <p:sp>
+        <p:nvSpPr>
+          <p:cNvPr id="346" name="Google Shape;346;p42"/>
+          <p:cNvSpPr txBox="1"/>
+          <p:nvPr/>
+        </p:nvSpPr>
+        <p:spPr>
+          <a:xfrm>
+            <a:off x="837250" y="1583100"/>
+            <a:ext cx="4740900" cy="667500"/>
+          </a:xfrm>
+          <a:prstGeom prst="rect">
+            <a:avLst/>
+          </a:prstGeom>
+          <a:noFill/>
+          <a:ln>
+            <a:noFill/>
+          </a:ln>
+        </p:spPr>
+        <p:txBody>
+          <a:bodyPr anchorCtr="0" anchor="t" bIns="91425" lIns="91425" spcFirstLastPara="1" rIns="91425" wrap="square" tIns="91425">
+            <a:noAutofit/>
+          </a:bodyPr>
+          <a:lstStyle/>
           <a:p>
             <a:pPr indent="0" lvl="0" marL="0" rtl="0" algn="l">
               <a:spcBef>
@@ -37327,6 +38075,32 @@
               <a:sym typeface="Lato"/>
             </a:endParaRPr>
           </a:p>
+        </p:txBody>
+      </p:sp>
+      <p:sp>
+        <p:nvSpPr>
+          <p:cNvPr id="347" name="Google Shape;347;p42"/>
+          <p:cNvSpPr txBox="1"/>
+          <p:nvPr/>
+        </p:nvSpPr>
+        <p:spPr>
+          <a:xfrm>
+            <a:off x="1352250" y="2107650"/>
+            <a:ext cx="3172800" cy="387900"/>
+          </a:xfrm>
+          <a:prstGeom prst="rect">
+            <a:avLst/>
+          </a:prstGeom>
+          <a:noFill/>
+          <a:ln>
+            <a:noFill/>
+          </a:ln>
+        </p:spPr>
+        <p:txBody>
+          <a:bodyPr anchorCtr="0" anchor="t" bIns="91425" lIns="91425" spcFirstLastPara="1" rIns="91425" wrap="square" tIns="91425">
+            <a:noAutofit/>
+          </a:bodyPr>
+          <a:lstStyle/>
           <a:p>
             <a:pPr indent="0" lvl="0" marL="0" rtl="0" algn="l">
               <a:spcBef>
@@ -37344,7 +38118,62 @@
                 <a:cs typeface="Lato"/>
                 <a:sym typeface="Lato"/>
               </a:rPr>
-              <a:t>	FOR each monkey</a:t>
+              <a:t>FOR each monkey</a:t>
+            </a:r>
+            <a:endParaRPr sz="1200">
+              <a:solidFill>
+                <a:schemeClr val="lt1"/>
+              </a:solidFill>
+              <a:latin typeface="Lato"/>
+              <a:ea typeface="Lato"/>
+              <a:cs typeface="Lato"/>
+              <a:sym typeface="Lato"/>
+            </a:endParaRPr>
+          </a:p>
+        </p:txBody>
+      </p:sp>
+      <p:sp>
+        <p:nvSpPr>
+          <p:cNvPr id="348" name="Google Shape;348;p42"/>
+          <p:cNvSpPr txBox="1"/>
+          <p:nvPr/>
+        </p:nvSpPr>
+        <p:spPr>
+          <a:xfrm>
+            <a:off x="2261100" y="2343150"/>
+            <a:ext cx="4402800" cy="387900"/>
+          </a:xfrm>
+          <a:prstGeom prst="rect">
+            <a:avLst/>
+          </a:prstGeom>
+          <a:noFill/>
+          <a:ln>
+            <a:noFill/>
+          </a:ln>
+        </p:spPr>
+        <p:txBody>
+          <a:bodyPr anchorCtr="0" anchor="t" bIns="91425" lIns="91425" spcFirstLastPara="1" rIns="91425" wrap="square" tIns="91425">
+            <a:noAutofit/>
+          </a:bodyPr>
+          <a:lstStyle/>
+          <a:p>
+            <a:pPr indent="0" lvl="0" marL="0" rtl="0" algn="l">
+              <a:spcBef>
+                <a:spcPts val="0"/>
+              </a:spcBef>
+              <a:spcAft>
+                <a:spcPts val="0"/>
+              </a:spcAft>
+              <a:buNone/>
+            </a:pPr>
+            <a:r>
+              <a:rPr lang="en" sz="1800">
+                <a:latin typeface="Lato"/>
+                <a:ea typeface="Lato"/>
+                <a:cs typeface="Lato"/>
+                <a:sym typeface="Lato"/>
+              </a:rPr>
+              <a:t>→ Climb Process (local improvement)</a:t>
             </a:r>
             <a:endParaRPr sz="1800">
               <a:latin typeface="Lato"/>
@@ -37353,6 +38182,32 @@
               <a:sym typeface="Lato"/>
             </a:endParaRPr>
           </a:p>
+        </p:txBody>
+      </p:sp>
+      <p:sp>
+        <p:nvSpPr>
+          <p:cNvPr id="349" name="Google Shape;349;p42"/>
+          <p:cNvSpPr txBox="1"/>
+          <p:nvPr/>
+        </p:nvSpPr>
+        <p:spPr>
+          <a:xfrm>
+            <a:off x="2261100" y="2686650"/>
+            <a:ext cx="4991400" cy="387900"/>
+          </a:xfrm>
+          <a:prstGeom prst="rect">
+            <a:avLst/>
+          </a:prstGeom>
+          <a:noFill/>
+          <a:ln>
+            <a:noFill/>
+          </a:ln>
+        </p:spPr>
+        <p:txBody>
+          <a:bodyPr anchorCtr="0" anchor="t" bIns="91425" lIns="91425" spcFirstLastPara="1" rIns="91425" wrap="square" tIns="91425">
+            <a:noAutofit/>
+          </a:bodyPr>
+          <a:lstStyle/>
           <a:p>
             <a:pPr indent="0" lvl="0" marL="0" rtl="0" algn="l">
               <a:spcBef>
@@ -37370,7 +38225,7 @@
                 <a:cs typeface="Lato"/>
                 <a:sym typeface="Lato"/>
               </a:rPr>
-              <a:t>    			→ Climb Process (local improvement)</a:t>
+              <a:t>→ Watch-Jump Process (knowledge sharing)</a:t>
             </a:r>
             <a:endParaRPr sz="1800">
               <a:latin typeface="Lato"/>
@@ -37379,6 +38234,32 @@
               <a:sym typeface="Lato"/>
             </a:endParaRPr>
           </a:p>
+        </p:txBody>
+      </p:sp>
+      <p:sp>
+        <p:nvSpPr>
+          <p:cNvPr id="350" name="Google Shape;350;p42"/>
+          <p:cNvSpPr txBox="1"/>
+          <p:nvPr/>
+        </p:nvSpPr>
+        <p:spPr>
+          <a:xfrm>
+            <a:off x="2233650" y="3022950"/>
+            <a:ext cx="4457700" cy="338700"/>
+          </a:xfrm>
+          <a:prstGeom prst="rect">
+            <a:avLst/>
+          </a:prstGeom>
+          <a:noFill/>
+          <a:ln>
+            <a:noFill/>
+          </a:ln>
+        </p:spPr>
+        <p:txBody>
+          <a:bodyPr anchorCtr="0" anchor="t" bIns="91425" lIns="91425" spcFirstLastPara="1" rIns="91425" wrap="square" tIns="91425">
+            <a:noAutofit/>
+          </a:bodyPr>
+          <a:lstStyle/>
           <a:p>
             <a:pPr indent="0" lvl="0" marL="0" rtl="0" algn="l">
               <a:spcBef>
@@ -37396,7 +38277,7 @@
                 <a:cs typeface="Lato"/>
                 <a:sym typeface="Lato"/>
               </a:rPr>
-              <a:t>    			→ Watch-Jump Process (knowledge sharing)</a:t>
+              <a:t>→ Somersault Process (exploration)</a:t>
             </a:r>
             <a:endParaRPr sz="1800">
               <a:latin typeface="Lato"/>
@@ -37405,6 +38286,32 @@
               <a:sym typeface="Lato"/>
             </a:endParaRPr>
           </a:p>
+        </p:txBody>
+      </p:sp>
+      <p:sp>
+        <p:nvSpPr>
+          <p:cNvPr id="351" name="Google Shape;351;p42"/>
+          <p:cNvSpPr txBox="1"/>
+          <p:nvPr/>
+        </p:nvSpPr>
+        <p:spPr>
+          <a:xfrm>
+            <a:off x="1352250" y="3265650"/>
+            <a:ext cx="1347000" cy="528000"/>
+          </a:xfrm>
+          <a:prstGeom prst="rect">
+            <a:avLst/>
+          </a:prstGeom>
+          <a:noFill/>
+          <a:ln>
+            <a:noFill/>
+          </a:ln>
+        </p:spPr>
+        <p:txBody>
+          <a:bodyPr anchorCtr="0" anchor="t" bIns="91425" lIns="91425" spcFirstLastPara="1" rIns="91425" wrap="square" tIns="91425">
+            <a:noAutofit/>
+          </a:bodyPr>
+          <a:lstStyle/>
           <a:p>
             <a:pPr indent="0" lvl="0" marL="0" rtl="0" algn="l">
               <a:spcBef>
@@ -37422,33 +38329,7 @@
                 <a:cs typeface="Lato"/>
                 <a:sym typeface="Lato"/>
               </a:rPr>
-              <a:t>    			→ Somersault Process (exploration)</a:t>
-            </a:r>
-            <a:endParaRPr sz="1800">
-              <a:latin typeface="Lato"/>
-              <a:ea typeface="Lato"/>
-              <a:cs typeface="Lato"/>
-              <a:sym typeface="Lato"/>
-            </a:endParaRPr>
-          </a:p>
-          <a:p>
-            <a:pPr indent="0" lvl="0" marL="0" rtl="0" algn="l">
-              <a:spcBef>
-                <a:spcPts val="0"/>
-              </a:spcBef>
-              <a:spcAft>
-                <a:spcPts val="0"/>
-              </a:spcAft>
-              <a:buNone/>
-            </a:pPr>
-            <a:r>
-              <a:rPr lang="en" sz="1800">
-                <a:latin typeface="Lato"/>
-                <a:ea typeface="Lato"/>
-                <a:cs typeface="Lato"/>
-                <a:sym typeface="Lato"/>
-              </a:rPr>
-              <a:t>	END FOR</a:t>
+              <a:t>END FOR</a:t>
             </a:r>
             <a:endParaRPr sz="1800">
               <a:latin typeface="Lato"/>
@@ -37483,6 +38364,32 @@
               <a:sym typeface="Lato"/>
             </a:endParaRPr>
           </a:p>
+        </p:txBody>
+      </p:sp>
+      <p:sp>
+        <p:nvSpPr>
+          <p:cNvPr id="352" name="Google Shape;352;p42"/>
+          <p:cNvSpPr txBox="1"/>
+          <p:nvPr/>
+        </p:nvSpPr>
+        <p:spPr>
+          <a:xfrm>
+            <a:off x="837250" y="3746100"/>
+            <a:ext cx="3974400" cy="387900"/>
+          </a:xfrm>
+          <a:prstGeom prst="rect">
+            <a:avLst/>
+          </a:prstGeom>
+          <a:noFill/>
+          <a:ln>
+            <a:noFill/>
+          </a:ln>
+        </p:spPr>
+        <p:txBody>
+          <a:bodyPr anchorCtr="0" anchor="t" bIns="91425" lIns="91425" spcFirstLastPara="1" rIns="91425" wrap="square" tIns="91425">
+            <a:noAutofit/>
+          </a:bodyPr>
+          <a:lstStyle/>
           <a:p>
             <a:pPr indent="0" lvl="0" marL="0" rtl="0" algn="l">
               <a:spcBef>
@@ -37500,7 +38407,7 @@
                 <a:cs typeface="Lato"/>
                 <a:sym typeface="Lato"/>
               </a:rPr>
-              <a:t>	Update Best Solution Found</a:t>
+              <a:t>Update Best Solution Found</a:t>
             </a:r>
             <a:endParaRPr sz="1800">
               <a:latin typeface="Lato"/>
@@ -37509,6 +38416,32 @@
               <a:sym typeface="Lato"/>
             </a:endParaRPr>
           </a:p>
+        </p:txBody>
+      </p:sp>
+      <p:sp>
+        <p:nvSpPr>
+          <p:cNvPr id="353" name="Google Shape;353;p42"/>
+          <p:cNvSpPr txBox="1"/>
+          <p:nvPr/>
+        </p:nvSpPr>
+        <p:spPr>
+          <a:xfrm>
+            <a:off x="837250" y="4134000"/>
+            <a:ext cx="1892700" cy="387900"/>
+          </a:xfrm>
+          <a:prstGeom prst="rect">
+            <a:avLst/>
+          </a:prstGeom>
+          <a:noFill/>
+          <a:ln>
+            <a:noFill/>
+          </a:ln>
+        </p:spPr>
+        <p:txBody>
+          <a:bodyPr anchorCtr="0" anchor="t" bIns="91425" lIns="91425" spcFirstLastPara="1" rIns="91425" wrap="square" tIns="91425">
+            <a:noAutofit/>
+          </a:bodyPr>
+          <a:lstStyle/>
           <a:p>
             <a:pPr indent="0" lvl="0" marL="0" rtl="0" algn="l">
               <a:spcBef>
@@ -37561,6 +38494,32 @@
               <a:sym typeface="Lato"/>
             </a:endParaRPr>
           </a:p>
+        </p:txBody>
+      </p:sp>
+      <p:sp>
+        <p:nvSpPr>
+          <p:cNvPr id="354" name="Google Shape;354;p42"/>
+          <p:cNvSpPr txBox="1"/>
+          <p:nvPr/>
+        </p:nvSpPr>
+        <p:spPr>
+          <a:xfrm>
+            <a:off x="837250" y="4712400"/>
+            <a:ext cx="2276700" cy="387900"/>
+          </a:xfrm>
+          <a:prstGeom prst="rect">
+            <a:avLst/>
+          </a:prstGeom>
+          <a:noFill/>
+          <a:ln>
+            <a:noFill/>
+          </a:ln>
+        </p:spPr>
+        <p:txBody>
+          <a:bodyPr anchorCtr="0" anchor="t" bIns="91425" lIns="91425" spcFirstLastPara="1" rIns="91425" wrap="square" tIns="91425">
+            <a:noAutofit/>
+          </a:bodyPr>
+          <a:lstStyle/>
           <a:p>
             <a:pPr indent="0" lvl="0" marL="0" rtl="0" algn="l">
               <a:spcBef>
@@ -37594,6 +38553,716 @@
   <p:clrMapOvr>
     <a:masterClrMapping/>
   </p:clrMapOvr>
+  <p:timing>
+    <p:tnLst>
+      <p:par>
+        <p:cTn dur="indefinite" nodeType="tmRoot" restart="never">
+          <p:childTnLst>
+            <p:seq concurrent="1" nextAc="seek">
+              <p:cTn dur="indefinite" id="2" nodeType="mainSeq">
+                <p:childTnLst>
+                  <p:par>
+                    <p:cTn fill="hold">
+                      <p:stCondLst>
+                        <p:cond delay="indefinite"/>
+                      </p:stCondLst>
+                      <p:childTnLst>
+                        <p:par>
+                          <p:cTn fill="hold">
+                            <p:stCondLst>
+                              <p:cond delay="0"/>
+                            </p:stCondLst>
+                            <p:childTnLst>
+                              <p:par>
+                                <p:cTn fill="hold" nodeType="clickEffect" presetClass="entr" presetID="2" presetSubtype="4">
+                                  <p:stCondLst>
+                                    <p:cond delay="0"/>
+                                  </p:stCondLst>
+                                  <p:childTnLst>
+                                    <p:set>
+                                      <p:cBhvr>
+                                        <p:cTn dur="1" fill="hold">
+                                          <p:stCondLst>
+                                            <p:cond delay="0"/>
+                                          </p:stCondLst>
+                                        </p:cTn>
+                                        <p:tgtEl>
+                                          <p:spTgt spid="345"/>
+                                        </p:tgtEl>
+                                        <p:attrNameLst>
+                                          <p:attrName>style.visibility</p:attrName>
+                                        </p:attrNameLst>
+                                      </p:cBhvr>
+                                      <p:to>
+                                        <p:strVal val="visible"/>
+                                      </p:to>
+                                    </p:set>
+                                    <p:anim calcmode="lin" valueType="num">
+                                      <p:cBhvr additive="base">
+                                        <p:cTn dur="1000"/>
+                                        <p:tgtEl>
+                                          <p:spTgt spid="345"/>
+                                        </p:tgtEl>
+                                        <p:attrNameLst>
+                                          <p:attrName>ppt_y</p:attrName>
+                                        </p:attrNameLst>
+                                      </p:cBhvr>
+                                      <p:tavLst>
+                                        <p:tav fmla="" tm="0">
+                                          <p:val>
+                                            <p:strVal val="#ppt_y+1"/>
+                                          </p:val>
+                                        </p:tav>
+                                        <p:tav fmla="" tm="100000">
+                                          <p:val>
+                                            <p:strVal val="#ppt_y"/>
+                                          </p:val>
+                                        </p:tav>
+                                      </p:tavLst>
+                                    </p:anim>
+                                  </p:childTnLst>
+                                </p:cTn>
+                              </p:par>
+                            </p:childTnLst>
+                          </p:cTn>
+                        </p:par>
+                      </p:childTnLst>
+                    </p:cTn>
+                  </p:par>
+                  <p:par>
+                    <p:cTn fill="hold">
+                      <p:stCondLst>
+                        <p:cond delay="indefinite"/>
+                      </p:stCondLst>
+                      <p:childTnLst>
+                        <p:par>
+                          <p:cTn fill="hold">
+                            <p:stCondLst>
+                              <p:cond delay="0"/>
+                            </p:stCondLst>
+                            <p:childTnLst>
+                              <p:par>
+                                <p:cTn fill="hold" nodeType="clickEffect" presetClass="entr" presetID="2" presetSubtype="4">
+                                  <p:stCondLst>
+                                    <p:cond delay="0"/>
+                                  </p:stCondLst>
+                                  <p:childTnLst>
+                                    <p:set>
+                                      <p:cBhvr>
+                                        <p:cTn dur="1" fill="hold">
+                                          <p:stCondLst>
+                                            <p:cond delay="0"/>
+                                          </p:stCondLst>
+                                        </p:cTn>
+                                        <p:tgtEl>
+                                          <p:spTgt spid="346"/>
+                                        </p:tgtEl>
+                                        <p:attrNameLst>
+                                          <p:attrName>style.visibility</p:attrName>
+                                        </p:attrNameLst>
+                                      </p:cBhvr>
+                                      <p:to>
+                                        <p:strVal val="visible"/>
+                                      </p:to>
+                                    </p:set>
+                                    <p:anim calcmode="lin" valueType="num">
+                                      <p:cBhvr additive="base">
+                                        <p:cTn dur="1000"/>
+                                        <p:tgtEl>
+                                          <p:spTgt spid="346"/>
+                                        </p:tgtEl>
+                                        <p:attrNameLst>
+                                          <p:attrName>ppt_y</p:attrName>
+                                        </p:attrNameLst>
+                                      </p:cBhvr>
+                                      <p:tavLst>
+                                        <p:tav fmla="" tm="0">
+                                          <p:val>
+                                            <p:strVal val="#ppt_y+1"/>
+                                          </p:val>
+                                        </p:tav>
+                                        <p:tav fmla="" tm="100000">
+                                          <p:val>
+                                            <p:strVal val="#ppt_y"/>
+                                          </p:val>
+                                        </p:tav>
+                                      </p:tavLst>
+                                    </p:anim>
+                                  </p:childTnLst>
+                                </p:cTn>
+                              </p:par>
+                            </p:childTnLst>
+                          </p:cTn>
+                        </p:par>
+                      </p:childTnLst>
+                    </p:cTn>
+                  </p:par>
+                  <p:par>
+                    <p:cTn fill="hold">
+                      <p:stCondLst>
+                        <p:cond delay="indefinite"/>
+                      </p:stCondLst>
+                      <p:childTnLst>
+                        <p:par>
+                          <p:cTn fill="hold">
+                            <p:stCondLst>
+                              <p:cond delay="0"/>
+                            </p:stCondLst>
+                            <p:childTnLst>
+                              <p:par>
+                                <p:cTn fill="hold" nodeType="clickEffect" presetClass="entr" presetID="2" presetSubtype="4">
+                                  <p:stCondLst>
+                                    <p:cond delay="0"/>
+                                  </p:stCondLst>
+                                  <p:childTnLst>
+                                    <p:set>
+                                      <p:cBhvr>
+                                        <p:cTn dur="1" fill="hold">
+                                          <p:stCondLst>
+                                            <p:cond delay="0"/>
+                                          </p:stCondLst>
+                                        </p:cTn>
+                                        <p:tgtEl>
+                                          <p:spTgt spid="347"/>
+                                        </p:tgtEl>
+                                        <p:attrNameLst>
+                                          <p:attrName>style.visibility</p:attrName>
+                                        </p:attrNameLst>
+                                      </p:cBhvr>
+                                      <p:to>
+                                        <p:strVal val="visible"/>
+                                      </p:to>
+                                    </p:set>
+                                    <p:anim calcmode="lin" valueType="num">
+                                      <p:cBhvr additive="base">
+                                        <p:cTn dur="1000"/>
+                                        <p:tgtEl>
+                                          <p:spTgt spid="347"/>
+                                        </p:tgtEl>
+                                        <p:attrNameLst>
+                                          <p:attrName>ppt_y</p:attrName>
+                                        </p:attrNameLst>
+                                      </p:cBhvr>
+                                      <p:tavLst>
+                                        <p:tav fmla="" tm="0">
+                                          <p:val>
+                                            <p:strVal val="#ppt_y+1"/>
+                                          </p:val>
+                                        </p:tav>
+                                        <p:tav fmla="" tm="100000">
+                                          <p:val>
+                                            <p:strVal val="#ppt_y"/>
+                                          </p:val>
+                                        </p:tav>
+                                      </p:tavLst>
+                                    </p:anim>
+                                  </p:childTnLst>
+                                </p:cTn>
+                              </p:par>
+                            </p:childTnLst>
+                          </p:cTn>
+                        </p:par>
+                      </p:childTnLst>
+                    </p:cTn>
+                  </p:par>
+                  <p:par>
+                    <p:cTn fill="hold">
+                      <p:stCondLst>
+                        <p:cond delay="indefinite"/>
+                      </p:stCondLst>
+                      <p:childTnLst>
+                        <p:par>
+                          <p:cTn fill="hold">
+                            <p:stCondLst>
+                              <p:cond delay="0"/>
+                            </p:stCondLst>
+                            <p:childTnLst>
+                              <p:par>
+                                <p:cTn fill="hold" nodeType="clickEffect" presetClass="entr" presetID="2" presetSubtype="4">
+                                  <p:stCondLst>
+                                    <p:cond delay="0"/>
+                                  </p:stCondLst>
+                                  <p:childTnLst>
+                                    <p:set>
+                                      <p:cBhvr>
+                                        <p:cTn dur="1" fill="hold">
+                                          <p:stCondLst>
+                                            <p:cond delay="0"/>
+                                          </p:stCondLst>
+                                        </p:cTn>
+                                        <p:tgtEl>
+                                          <p:spTgt spid="348"/>
+                                        </p:tgtEl>
+                                        <p:attrNameLst>
+                                          <p:attrName>style.visibility</p:attrName>
+                                        </p:attrNameLst>
+                                      </p:cBhvr>
+                                      <p:to>
+                                        <p:strVal val="visible"/>
+                                      </p:to>
+                                    </p:set>
+                                    <p:anim calcmode="lin" valueType="num">
+                                      <p:cBhvr additive="base">
+                                        <p:cTn dur="1000"/>
+                                        <p:tgtEl>
+                                          <p:spTgt spid="348"/>
+                                        </p:tgtEl>
+                                        <p:attrNameLst>
+                                          <p:attrName>ppt_y</p:attrName>
+                                        </p:attrNameLst>
+                                      </p:cBhvr>
+                                      <p:tavLst>
+                                        <p:tav fmla="" tm="0">
+                                          <p:val>
+                                            <p:strVal val="#ppt_y+1"/>
+                                          </p:val>
+                                        </p:tav>
+                                        <p:tav fmla="" tm="100000">
+                                          <p:val>
+                                            <p:strVal val="#ppt_y"/>
+                                          </p:val>
+                                        </p:tav>
+                                      </p:tavLst>
+                                    </p:anim>
+                                  </p:childTnLst>
+                                </p:cTn>
+                              </p:par>
+                            </p:childTnLst>
+                          </p:cTn>
+                        </p:par>
+                      </p:childTnLst>
+                    </p:cTn>
+                  </p:par>
+                  <p:par>
+                    <p:cTn fill="hold">
+                      <p:stCondLst>
+                        <p:cond delay="indefinite"/>
+                      </p:stCondLst>
+                      <p:childTnLst>
+                        <p:par>
+                          <p:cTn fill="hold">
+                            <p:stCondLst>
+                              <p:cond delay="0"/>
+                            </p:stCondLst>
+                            <p:childTnLst>
+                              <p:par>
+                                <p:cTn fill="hold" nodeType="clickEffect" presetClass="entr" presetID="2" presetSubtype="4">
+                                  <p:stCondLst>
+                                    <p:cond delay="0"/>
+                                  </p:stCondLst>
+                                  <p:childTnLst>
+                                    <p:set>
+                                      <p:cBhvr>
+                                        <p:cTn dur="1" fill="hold">
+                                          <p:stCondLst>
+                                            <p:cond delay="0"/>
+                                          </p:stCondLst>
+                                        </p:cTn>
+                                        <p:tgtEl>
+                                          <p:spTgt spid="349"/>
+                                        </p:tgtEl>
+                                        <p:attrNameLst>
+                                          <p:attrName>style.visibility</p:attrName>
+                                        </p:attrNameLst>
+                                      </p:cBhvr>
+                                      <p:to>
+                                        <p:strVal val="visible"/>
+                                      </p:to>
+                                    </p:set>
+                                    <p:anim calcmode="lin" valueType="num">
+                                      <p:cBhvr additive="base">
+                                        <p:cTn dur="1000"/>
+                                        <p:tgtEl>
+                                          <p:spTgt spid="349"/>
+                                        </p:tgtEl>
+                                        <p:attrNameLst>
+                                          <p:attrName>ppt_y</p:attrName>
+                                        </p:attrNameLst>
+                                      </p:cBhvr>
+                                      <p:tavLst>
+                                        <p:tav fmla="" tm="0">
+                                          <p:val>
+                                            <p:strVal val="#ppt_y+1"/>
+                                          </p:val>
+                                        </p:tav>
+                                        <p:tav fmla="" tm="100000">
+                                          <p:val>
+                                            <p:strVal val="#ppt_y"/>
+                                          </p:val>
+                                        </p:tav>
+                                      </p:tavLst>
+                                    </p:anim>
+                                  </p:childTnLst>
+                                </p:cTn>
+                              </p:par>
+                            </p:childTnLst>
+                          </p:cTn>
+                        </p:par>
+                      </p:childTnLst>
+                    </p:cTn>
+                  </p:par>
+                  <p:par>
+                    <p:cTn fill="hold">
+                      <p:stCondLst>
+                        <p:cond delay="indefinite"/>
+                      </p:stCondLst>
+                      <p:childTnLst>
+                        <p:par>
+                          <p:cTn fill="hold">
+                            <p:stCondLst>
+                              <p:cond delay="0"/>
+                            </p:stCondLst>
+                            <p:childTnLst>
+                              <p:par>
+                                <p:cTn fill="hold" nodeType="clickEffect" presetClass="entr" presetID="2" presetSubtype="4">
+                                  <p:stCondLst>
+                                    <p:cond delay="0"/>
+                                  </p:stCondLst>
+                                  <p:childTnLst>
+                                    <p:set>
+                                      <p:cBhvr>
+                                        <p:cTn dur="1" fill="hold">
+                                          <p:stCondLst>
+                                            <p:cond delay="0"/>
+                                          </p:stCondLst>
+                                        </p:cTn>
+                                        <p:tgtEl>
+                                          <p:spTgt spid="350"/>
+                                        </p:tgtEl>
+                                        <p:attrNameLst>
+                                          <p:attrName>style.visibility</p:attrName>
+                                        </p:attrNameLst>
+                                      </p:cBhvr>
+                                      <p:to>
+                                        <p:strVal val="visible"/>
+                                      </p:to>
+                                    </p:set>
+                                    <p:anim calcmode="lin" valueType="num">
+                                      <p:cBhvr additive="base">
+                                        <p:cTn dur="1000"/>
+                                        <p:tgtEl>
+                                          <p:spTgt spid="350"/>
+                                        </p:tgtEl>
+                                        <p:attrNameLst>
+                                          <p:attrName>ppt_y</p:attrName>
+                                        </p:attrNameLst>
+                                      </p:cBhvr>
+                                      <p:tavLst>
+                                        <p:tav fmla="" tm="0">
+                                          <p:val>
+                                            <p:strVal val="#ppt_y+1"/>
+                                          </p:val>
+                                        </p:tav>
+                                        <p:tav fmla="" tm="100000">
+                                          <p:val>
+                                            <p:strVal val="#ppt_y"/>
+                                          </p:val>
+                                        </p:tav>
+                                      </p:tavLst>
+                                    </p:anim>
+                                  </p:childTnLst>
+                                </p:cTn>
+                              </p:par>
+                            </p:childTnLst>
+                          </p:cTn>
+                        </p:par>
+                      </p:childTnLst>
+                    </p:cTn>
+                  </p:par>
+                  <p:par>
+                    <p:cTn fill="hold">
+                      <p:stCondLst>
+                        <p:cond delay="indefinite"/>
+                      </p:stCondLst>
+                      <p:childTnLst>
+                        <p:par>
+                          <p:cTn fill="hold">
+                            <p:stCondLst>
+                              <p:cond delay="0"/>
+                            </p:stCondLst>
+                            <p:childTnLst>
+                              <p:par>
+                                <p:cTn fill="hold" nodeType="clickEffect" presetClass="entr" presetID="2" presetSubtype="4">
+                                  <p:stCondLst>
+                                    <p:cond delay="0"/>
+                                  </p:stCondLst>
+                                  <p:childTnLst>
+                                    <p:set>
+                                      <p:cBhvr>
+                                        <p:cTn dur="1" fill="hold">
+                                          <p:stCondLst>
+                                            <p:cond delay="0"/>
+                                          </p:stCondLst>
+                                        </p:cTn>
+                                        <p:tgtEl>
+                                          <p:spTgt spid="351"/>
+                                        </p:tgtEl>
+                                        <p:attrNameLst>
+                                          <p:attrName>style.visibility</p:attrName>
+                                        </p:attrNameLst>
+                                      </p:cBhvr>
+                                      <p:to>
+                                        <p:strVal val="visible"/>
+                                      </p:to>
+                                    </p:set>
+                                    <p:anim calcmode="lin" valueType="num">
+                                      <p:cBhvr additive="base">
+                                        <p:cTn dur="1000"/>
+                                        <p:tgtEl>
+                                          <p:spTgt spid="351"/>
+                                        </p:tgtEl>
+                                        <p:attrNameLst>
+                                          <p:attrName>ppt_y</p:attrName>
+                                        </p:attrNameLst>
+                                      </p:cBhvr>
+                                      <p:tavLst>
+                                        <p:tav fmla="" tm="0">
+                                          <p:val>
+                                            <p:strVal val="#ppt_y+1"/>
+                                          </p:val>
+                                        </p:tav>
+                                        <p:tav fmla="" tm="100000">
+                                          <p:val>
+                                            <p:strVal val="#ppt_y"/>
+                                          </p:val>
+                                        </p:tav>
+                                      </p:tavLst>
+                                    </p:anim>
+                                  </p:childTnLst>
+                                </p:cTn>
+                              </p:par>
+                            </p:childTnLst>
+                          </p:cTn>
+                        </p:par>
+                      </p:childTnLst>
+                    </p:cTn>
+                  </p:par>
+                  <p:par>
+                    <p:cTn fill="hold">
+                      <p:stCondLst>
+                        <p:cond delay="indefinite"/>
+                      </p:stCondLst>
+                      <p:childTnLst>
+                        <p:par>
+                          <p:cTn fill="hold">
+                            <p:stCondLst>
+                              <p:cond delay="0"/>
+                            </p:stCondLst>
+                            <p:childTnLst>
+                              <p:par>
+                                <p:cTn fill="hold" nodeType="clickEffect" presetClass="entr" presetID="2" presetSubtype="4">
+                                  <p:stCondLst>
+                                    <p:cond delay="0"/>
+                                  </p:stCondLst>
+                                  <p:childTnLst>
+                                    <p:set>
+                                      <p:cBhvr>
+                                        <p:cTn dur="1" fill="hold">
+                                          <p:stCondLst>
+                                            <p:cond delay="0"/>
+                                          </p:stCondLst>
+                                        </p:cTn>
+                                        <p:tgtEl>
+                                          <p:spTgt spid="352"/>
+                                        </p:tgtEl>
+                                        <p:attrNameLst>
+                                          <p:attrName>style.visibility</p:attrName>
+                                        </p:attrNameLst>
+                                      </p:cBhvr>
+                                      <p:to>
+                                        <p:strVal val="visible"/>
+                                      </p:to>
+                                    </p:set>
+                                    <p:anim calcmode="lin" valueType="num">
+                                      <p:cBhvr additive="base">
+                                        <p:cTn dur="1000"/>
+                                        <p:tgtEl>
+                                          <p:spTgt spid="352"/>
+                                        </p:tgtEl>
+                                        <p:attrNameLst>
+                                          <p:attrName>ppt_y</p:attrName>
+                                        </p:attrNameLst>
+                                      </p:cBhvr>
+                                      <p:tavLst>
+                                        <p:tav fmla="" tm="0">
+                                          <p:val>
+                                            <p:strVal val="#ppt_y+1"/>
+                                          </p:val>
+                                        </p:tav>
+                                        <p:tav fmla="" tm="100000">
+                                          <p:val>
+                                            <p:strVal val="#ppt_y"/>
+                                          </p:val>
+                                        </p:tav>
+                                      </p:tavLst>
+                                    </p:anim>
+                                  </p:childTnLst>
+                                </p:cTn>
+                              </p:par>
+                            </p:childTnLst>
+                          </p:cTn>
+                        </p:par>
+                      </p:childTnLst>
+                    </p:cTn>
+                  </p:par>
+                  <p:par>
+                    <p:cTn fill="hold">
+                      <p:stCondLst>
+                        <p:cond delay="indefinite"/>
+                      </p:stCondLst>
+                      <p:childTnLst>
+                        <p:par>
+                          <p:cTn fill="hold">
+                            <p:stCondLst>
+                              <p:cond delay="0"/>
+                            </p:stCondLst>
+                            <p:childTnLst>
+                              <p:par>
+                                <p:cTn fill="hold" nodeType="clickEffect" presetClass="entr" presetID="2" presetSubtype="4">
+                                  <p:stCondLst>
+                                    <p:cond delay="0"/>
+                                  </p:stCondLst>
+                                  <p:childTnLst>
+                                    <p:set>
+                                      <p:cBhvr>
+                                        <p:cTn dur="1" fill="hold">
+                                          <p:stCondLst>
+                                            <p:cond delay="0"/>
+                                          </p:stCondLst>
+                                        </p:cTn>
+                                        <p:tgtEl>
+                                          <p:spTgt spid="353"/>
+                                        </p:tgtEl>
+                                        <p:attrNameLst>
+                                          <p:attrName>style.visibility</p:attrName>
+                                        </p:attrNameLst>
+                                      </p:cBhvr>
+                                      <p:to>
+                                        <p:strVal val="visible"/>
+                                      </p:to>
+                                    </p:set>
+                                    <p:anim calcmode="lin" valueType="num">
+                                      <p:cBhvr additive="base">
+                                        <p:cTn dur="1000"/>
+                                        <p:tgtEl>
+                                          <p:spTgt spid="353"/>
+                                        </p:tgtEl>
+                                        <p:attrNameLst>
+                                          <p:attrName>ppt_y</p:attrName>
+                                        </p:attrNameLst>
+                                      </p:cBhvr>
+                                      <p:tavLst>
+                                        <p:tav fmla="" tm="0">
+                                          <p:val>
+                                            <p:strVal val="#ppt_y+1"/>
+                                          </p:val>
+                                        </p:tav>
+                                        <p:tav fmla="" tm="100000">
+                                          <p:val>
+                                            <p:strVal val="#ppt_y"/>
+                                          </p:val>
+                                        </p:tav>
+                                      </p:tavLst>
+                                    </p:anim>
+                                  </p:childTnLst>
+                                </p:cTn>
+                              </p:par>
+                            </p:childTnLst>
+                          </p:cTn>
+                        </p:par>
+                      </p:childTnLst>
+                    </p:cTn>
+                  </p:par>
+                  <p:par>
+                    <p:cTn fill="hold">
+                      <p:stCondLst>
+                        <p:cond delay="indefinite"/>
+                      </p:stCondLst>
+                      <p:childTnLst>
+                        <p:par>
+                          <p:cTn fill="hold">
+                            <p:stCondLst>
+                              <p:cond delay="0"/>
+                            </p:stCondLst>
+                            <p:childTnLst>
+                              <p:par>
+                                <p:cTn fill="hold" nodeType="clickEffect" presetClass="entr" presetID="2" presetSubtype="4">
+                                  <p:stCondLst>
+                                    <p:cond delay="0"/>
+                                  </p:stCondLst>
+                                  <p:childTnLst>
+                                    <p:set>
+                                      <p:cBhvr>
+                                        <p:cTn dur="1" fill="hold">
+                                          <p:stCondLst>
+                                            <p:cond delay="0"/>
+                                          </p:stCondLst>
+                                        </p:cTn>
+                                        <p:tgtEl>
+                                          <p:spTgt spid="354"/>
+                                        </p:tgtEl>
+                                        <p:attrNameLst>
+                                          <p:attrName>style.visibility</p:attrName>
+                                        </p:attrNameLst>
+                                      </p:cBhvr>
+                                      <p:to>
+                                        <p:strVal val="visible"/>
+                                      </p:to>
+                                    </p:set>
+                                    <p:anim calcmode="lin" valueType="num">
+                                      <p:cBhvr additive="base">
+                                        <p:cTn dur="1000"/>
+                                        <p:tgtEl>
+                                          <p:spTgt spid="354"/>
+                                        </p:tgtEl>
+                                        <p:attrNameLst>
+                                          <p:attrName>ppt_y</p:attrName>
+                                        </p:attrNameLst>
+                                      </p:cBhvr>
+                                      <p:tavLst>
+                                        <p:tav fmla="" tm="0">
+                                          <p:val>
+                                            <p:strVal val="#ppt_y+1"/>
+                                          </p:val>
+                                        </p:tav>
+                                        <p:tav fmla="" tm="100000">
+                                          <p:val>
+                                            <p:strVal val="#ppt_y"/>
+                                          </p:val>
+                                        </p:tav>
+                                      </p:tavLst>
+                                    </p:anim>
+                                  </p:childTnLst>
+                                </p:cTn>
+                              </p:par>
+                            </p:childTnLst>
+                          </p:cTn>
+                        </p:par>
+                      </p:childTnLst>
+                    </p:cTn>
+                  </p:par>
+                </p:childTnLst>
+              </p:cTn>
+              <p:prevCondLst>
+                <p:cond evt="onPrev">
+                  <p:tgtEl>
+                    <p:sldTgt/>
+                  </p:tgtEl>
+                </p:cond>
+              </p:prevCondLst>
+              <p:nextCondLst>
+                <p:cond evt="onNext">
+                  <p:tgtEl>
+                    <p:sldTgt/>
+                  </p:tgtEl>
+                </p:cond>
+              </p:nextCondLst>
+            </p:seq>
+          </p:childTnLst>
+        </p:cTn>
+      </p:par>
+    </p:tnLst>
+  </p:timing>
 </p:sld>
 </file>
 
@@ -37609,7 +39278,7 @@
     </p:bg>
     <p:spTree>
       <p:nvGrpSpPr>
-        <p:cNvPr id="349" name="Shape 349"/>
+        <p:cNvPr id="358" name="Shape 358"/>
         <p:cNvGrpSpPr/>
         <p:nvPr/>
       </p:nvGrpSpPr>
@@ -37623,7 +39292,7 @@
       </p:grpSpPr>
       <p:sp>
         <p:nvSpPr>
-          <p:cNvPr id="350" name="Google Shape;350;p43"/>
+          <p:cNvPr id="359" name="Google Shape;359;p43"/>
           <p:cNvSpPr txBox="1"/>
           <p:nvPr/>
         </p:nvSpPr>
@@ -37681,7 +39350,7 @@
       </p:sp>
       <p:cxnSp>
         <p:nvCxnSpPr>
-          <p:cNvPr id="351" name="Google Shape;351;p43"/>
+          <p:cNvPr id="360" name="Google Shape;360;p43"/>
           <p:cNvCxnSpPr/>
           <p:nvPr/>
         </p:nvCxnSpPr>
@@ -37707,7 +39376,7 @@
       </p:cxnSp>
       <p:sp>
         <p:nvSpPr>
-          <p:cNvPr id="352" name="Google Shape;352;p43"/>
+          <p:cNvPr id="361" name="Google Shape;361;p43"/>
           <p:cNvSpPr txBox="1"/>
           <p:nvPr/>
         </p:nvSpPr>
@@ -37765,7 +39434,7 @@
       </p:sp>
       <p:sp>
         <p:nvSpPr>
-          <p:cNvPr id="353" name="Google Shape;353;p43"/>
+          <p:cNvPr id="362" name="Google Shape;362;p43"/>
           <p:cNvSpPr txBox="1"/>
           <p:nvPr/>
         </p:nvSpPr>
@@ -37871,7 +39540,7 @@
       </p:sp>
       <p:cxnSp>
         <p:nvCxnSpPr>
-          <p:cNvPr id="354" name="Google Shape;354;p43"/>
+          <p:cNvPr id="363" name="Google Shape;363;p43"/>
           <p:cNvCxnSpPr/>
           <p:nvPr/>
         </p:nvCxnSpPr>
@@ -37897,7 +39566,7 @@
       </p:cxnSp>
       <p:cxnSp>
         <p:nvCxnSpPr>
-          <p:cNvPr id="355" name="Google Shape;355;p43"/>
+          <p:cNvPr id="364" name="Google Shape;364;p43"/>
           <p:cNvCxnSpPr/>
           <p:nvPr/>
         </p:nvCxnSpPr>
@@ -37923,7 +39592,7 @@
       </p:cxnSp>
       <p:sp>
         <p:nvSpPr>
-          <p:cNvPr id="356" name="Google Shape;356;p43"/>
+          <p:cNvPr id="365" name="Google Shape;365;p43"/>
           <p:cNvSpPr txBox="1"/>
           <p:nvPr>
             <p:ph type="title"/>
@@ -37963,7 +39632,7 @@
       </p:sp>
       <p:cxnSp>
         <p:nvCxnSpPr>
-          <p:cNvPr id="357" name="Google Shape;357;p43"/>
+          <p:cNvPr id="366" name="Google Shape;366;p43"/>
           <p:cNvCxnSpPr/>
           <p:nvPr/>
         </p:nvCxnSpPr>
@@ -37989,7 +39658,7 @@
       </p:cxnSp>
       <p:sp>
         <p:nvSpPr>
-          <p:cNvPr id="358" name="Google Shape;358;p43"/>
+          <p:cNvPr id="367" name="Google Shape;367;p43"/>
           <p:cNvSpPr txBox="1"/>
           <p:nvPr/>
         </p:nvSpPr>
@@ -38095,7 +39764,7 @@
       </p:sp>
       <p:sp>
         <p:nvSpPr>
-          <p:cNvPr id="359" name="Google Shape;359;p43"/>
+          <p:cNvPr id="368" name="Google Shape;368;p43"/>
           <p:cNvSpPr txBox="1"/>
           <p:nvPr/>
         </p:nvSpPr>
@@ -38243,7 +39912,7 @@
       </p:sp>
       <p:sp>
         <p:nvSpPr>
-          <p:cNvPr id="360" name="Google Shape;360;p43"/>
+          <p:cNvPr id="369" name="Google Shape;369;p43"/>
           <p:cNvSpPr txBox="1"/>
           <p:nvPr>
             <p:ph idx="1" type="subTitle"/>
@@ -38298,7 +39967,7 @@
       </p:sp>
       <p:sp>
         <p:nvSpPr>
-          <p:cNvPr id="361" name="Google Shape;361;p43"/>
+          <p:cNvPr id="370" name="Google Shape;370;p43"/>
           <p:cNvSpPr txBox="1"/>
           <p:nvPr>
             <p:ph idx="12" type="sldNum"/>
@@ -38338,7 +40007,7 @@
       </p:sp>
       <p:sp>
         <p:nvSpPr>
-          <p:cNvPr id="362" name="Google Shape;362;p43"/>
+          <p:cNvPr id="371" name="Google Shape;371;p43"/>
           <p:cNvSpPr txBox="1"/>
           <p:nvPr/>
         </p:nvSpPr>
@@ -38431,7 +40100,7 @@
       </p:sp>
       <p:sp>
         <p:nvSpPr>
-          <p:cNvPr id="363" name="Google Shape;363;p43"/>
+          <p:cNvPr id="372" name="Google Shape;372;p43"/>
           <p:cNvSpPr txBox="1"/>
           <p:nvPr/>
         </p:nvSpPr>
@@ -38523,7 +40192,7 @@
   <p:cSld>
     <p:spTree>
       <p:nvGrpSpPr>
-        <p:cNvPr id="367" name="Shape 367"/>
+        <p:cNvPr id="376" name="Shape 376"/>
         <p:cNvGrpSpPr/>
         <p:nvPr/>
       </p:nvGrpSpPr>
@@ -38537,7 +40206,7 @@
       </p:grpSpPr>
       <p:sp>
         <p:nvSpPr>
-          <p:cNvPr id="368" name="Google Shape;368;p44"/>
+          <p:cNvPr id="377" name="Google Shape;377;p44"/>
           <p:cNvSpPr txBox="1"/>
           <p:nvPr>
             <p:ph type="title"/>
@@ -38577,7 +40246,7 @@
       </p:sp>
       <p:sp>
         <p:nvSpPr>
-          <p:cNvPr id="369" name="Google Shape;369;p44"/>
+          <p:cNvPr id="378" name="Google Shape;378;p44"/>
           <p:cNvSpPr txBox="1"/>
           <p:nvPr>
             <p:ph idx="4" type="subTitle"/>
@@ -38617,7 +40286,7 @@
       </p:sp>
       <p:sp>
         <p:nvSpPr>
-          <p:cNvPr id="370" name="Google Shape;370;p44"/>
+          <p:cNvPr id="379" name="Google Shape;379;p44"/>
           <p:cNvSpPr txBox="1"/>
           <p:nvPr>
             <p:ph idx="6" type="body"/>
@@ -38851,7 +40520,7 @@
       </p:sp>
       <p:sp>
         <p:nvSpPr>
-          <p:cNvPr id="371" name="Google Shape;371;p44"/>
+          <p:cNvPr id="380" name="Google Shape;380;p44"/>
           <p:cNvSpPr txBox="1"/>
           <p:nvPr>
             <p:ph idx="8" type="body"/>
@@ -38918,7 +40587,7 @@
       </p:sp>
       <p:sp>
         <p:nvSpPr>
-          <p:cNvPr id="372" name="Google Shape;372;p44"/>
+          <p:cNvPr id="381" name="Google Shape;381;p44"/>
           <p:cNvSpPr txBox="1"/>
           <p:nvPr/>
         </p:nvSpPr>
@@ -39072,7 +40741,7 @@
       </p:sp>
       <p:sp>
         <p:nvSpPr>
-          <p:cNvPr id="373" name="Google Shape;373;p44"/>
+          <p:cNvPr id="382" name="Google Shape;382;p44"/>
           <p:cNvSpPr txBox="1"/>
           <p:nvPr/>
         </p:nvSpPr>
@@ -39238,7 +40907,7 @@
       </p:sp>
       <p:sp>
         <p:nvSpPr>
-          <p:cNvPr id="374" name="Google Shape;374;p44"/>
+          <p:cNvPr id="383" name="Google Shape;383;p44"/>
           <p:cNvSpPr txBox="1"/>
           <p:nvPr/>
         </p:nvSpPr>
@@ -39376,7 +41045,7 @@
       </p:sp>
       <p:sp>
         <p:nvSpPr>
-          <p:cNvPr id="375" name="Google Shape;375;p44"/>
+          <p:cNvPr id="384" name="Google Shape;384;p44"/>
           <p:cNvSpPr txBox="1"/>
           <p:nvPr/>
         </p:nvSpPr>
@@ -39478,7 +41147,7 @@
       </p:sp>
       <p:sp>
         <p:nvSpPr>
-          <p:cNvPr id="376" name="Google Shape;376;p44"/>
+          <p:cNvPr id="385" name="Google Shape;385;p44"/>
           <p:cNvSpPr txBox="1"/>
           <p:nvPr/>
         </p:nvSpPr>
@@ -39551,7 +41220,7 @@
       </p:sp>
       <p:sp>
         <p:nvSpPr>
-          <p:cNvPr id="377" name="Google Shape;377;p44"/>
+          <p:cNvPr id="386" name="Google Shape;386;p44"/>
           <p:cNvSpPr txBox="1"/>
           <p:nvPr/>
         </p:nvSpPr>
@@ -39613,7 +41282,7 @@
       </p:sp>
       <p:sp>
         <p:nvSpPr>
-          <p:cNvPr id="378" name="Google Shape;378;p44"/>
+          <p:cNvPr id="387" name="Google Shape;387;p44"/>
           <p:cNvSpPr txBox="1"/>
           <p:nvPr/>
         </p:nvSpPr>
@@ -39694,7 +41363,7 @@
       </p:sp>
       <p:sp>
         <p:nvSpPr>
-          <p:cNvPr id="379" name="Google Shape;379;p44"/>
+          <p:cNvPr id="388" name="Google Shape;388;p44"/>
           <p:cNvSpPr txBox="1"/>
           <p:nvPr/>
         </p:nvSpPr>
@@ -39763,7 +41432,7 @@
   <p:cSld>
     <p:spTree>
       <p:nvGrpSpPr>
-        <p:cNvPr id="383" name="Shape 383"/>
+        <p:cNvPr id="392" name="Shape 392"/>
         <p:cNvGrpSpPr/>
         <p:nvPr/>
       </p:nvGrpSpPr>
@@ -39777,7 +41446,7 @@
       </p:grpSpPr>
       <p:sp>
         <p:nvSpPr>
-          <p:cNvPr id="384" name="Google Shape;384;p45"/>
+          <p:cNvPr id="393" name="Google Shape;393;p45"/>
           <p:cNvSpPr txBox="1"/>
           <p:nvPr>
             <p:ph idx="8" type="subTitle"/>
@@ -39817,7 +41486,7 @@
       </p:sp>
       <p:sp>
         <p:nvSpPr>
-          <p:cNvPr id="385" name="Google Shape;385;p45"/>
+          <p:cNvPr id="394" name="Google Shape;394;p45"/>
           <p:cNvSpPr txBox="1"/>
           <p:nvPr>
             <p:ph idx="5" type="subTitle"/>
@@ -39857,7 +41526,7 @@
       </p:sp>
       <p:sp>
         <p:nvSpPr>
-          <p:cNvPr id="386" name="Google Shape;386;p45"/>
+          <p:cNvPr id="395" name="Google Shape;395;p45"/>
           <p:cNvSpPr txBox="1"/>
           <p:nvPr>
             <p:ph idx="6" type="subTitle"/>
@@ -39897,7 +41566,7 @@
       </p:sp>
       <p:sp>
         <p:nvSpPr>
-          <p:cNvPr id="387" name="Google Shape;387;p45"/>
+          <p:cNvPr id="396" name="Google Shape;396;p45"/>
           <p:cNvSpPr txBox="1"/>
           <p:nvPr>
             <p:ph idx="7" type="subTitle"/>
@@ -39937,7 +41606,7 @@
       </p:sp>
       <p:sp>
         <p:nvSpPr>
-          <p:cNvPr id="388" name="Google Shape;388;p45"/>
+          <p:cNvPr id="397" name="Google Shape;397;p45"/>
           <p:cNvSpPr txBox="1"/>
           <p:nvPr>
             <p:ph idx="2" type="body"/>
@@ -39989,7 +41658,7 @@
       </p:sp>
       <p:sp>
         <p:nvSpPr>
-          <p:cNvPr id="389" name="Google Shape;389;p45"/>
+          <p:cNvPr id="398" name="Google Shape;398;p45"/>
           <p:cNvSpPr txBox="1"/>
           <p:nvPr>
             <p:ph idx="4" type="body"/>
@@ -40037,7 +41706,7 @@
       </p:sp>
       <p:sp>
         <p:nvSpPr>
-          <p:cNvPr id="390" name="Google Shape;390;p45"/>
+          <p:cNvPr id="399" name="Google Shape;399;p45"/>
           <p:cNvSpPr txBox="1"/>
           <p:nvPr>
             <p:ph idx="1" type="body"/>
@@ -40172,7 +41841,7 @@
       </p:sp>
       <p:sp>
         <p:nvSpPr>
-          <p:cNvPr id="391" name="Google Shape;391;p45"/>
+          <p:cNvPr id="400" name="Google Shape;400;p45"/>
           <p:cNvSpPr txBox="1"/>
           <p:nvPr>
             <p:ph idx="3" type="body"/>
@@ -40248,7 +41917,7 @@
       </p:sp>
       <p:sp>
         <p:nvSpPr>
-          <p:cNvPr id="392" name="Google Shape;392;p45"/>
+          <p:cNvPr id="401" name="Google Shape;401;p45"/>
           <p:cNvSpPr txBox="1"/>
           <p:nvPr>
             <p:ph type="title"/>
@@ -40288,7 +41957,7 @@
       </p:sp>
       <p:sp>
         <p:nvSpPr>
-          <p:cNvPr id="393" name="Google Shape;393;p45"/>
+          <p:cNvPr id="402" name="Google Shape;402;p45"/>
           <p:cNvSpPr txBox="1"/>
           <p:nvPr/>
         </p:nvSpPr>
@@ -40369,7 +42038,7 @@
       </p:sp>
       <p:sp>
         <p:nvSpPr>
-          <p:cNvPr id="394" name="Google Shape;394;p45"/>
+          <p:cNvPr id="403" name="Google Shape;403;p45"/>
           <p:cNvSpPr txBox="1"/>
           <p:nvPr/>
         </p:nvSpPr>
@@ -40445,7 +42114,7 @@
     </p:bg>
     <p:spTree>
       <p:nvGrpSpPr>
-        <p:cNvPr id="398" name="Shape 398"/>
+        <p:cNvPr id="407" name="Shape 407"/>
         <p:cNvGrpSpPr/>
         <p:nvPr/>
       </p:nvGrpSpPr>
@@ -40459,7 +42128,7 @@
       </p:grpSpPr>
       <p:sp>
         <p:nvSpPr>
-          <p:cNvPr id="399" name="Google Shape;399;p46"/>
+          <p:cNvPr id="408" name="Google Shape;408;p46"/>
           <p:cNvSpPr txBox="1"/>
           <p:nvPr>
             <p:ph type="title"/>
@@ -40515,7 +42184,7 @@
       </p:sp>
       <p:sp>
         <p:nvSpPr>
-          <p:cNvPr id="400" name="Google Shape;400;p46"/>
+          <p:cNvPr id="409" name="Google Shape;409;p46"/>
           <p:cNvSpPr txBox="1"/>
           <p:nvPr>
             <p:ph idx="2" type="title"/>
@@ -40571,7 +42240,7 @@
       </p:sp>
       <p:pic>
         <p:nvPicPr>
-          <p:cNvPr descr="A modern glass building under a sunny blue sky. " id="401" name="Google Shape;401;p46"/>
+          <p:cNvPr descr="A modern glass building under a sunny blue sky. " id="410" name="Google Shape;410;p46"/>
           <p:cNvPicPr preferRelativeResize="0"/>
           <p:nvPr/>
         </p:nvPicPr>
@@ -40598,7 +42267,7 @@
       </p:pic>
       <p:sp>
         <p:nvSpPr>
-          <p:cNvPr id="402" name="Google Shape;402;p46"/>
+          <p:cNvPr id="411" name="Google Shape;411;p46"/>
           <p:cNvSpPr txBox="1"/>
           <p:nvPr>
             <p:ph idx="12" type="sldNum"/>
@@ -40638,7 +42307,7 @@
       </p:sp>
       <p:sp>
         <p:nvSpPr>
-          <p:cNvPr id="403" name="Google Shape;403;p46"/>
+          <p:cNvPr id="412" name="Google Shape;412;p46"/>
           <p:cNvSpPr txBox="1"/>
           <p:nvPr>
             <p:ph idx="1" type="subTitle"/>
@@ -40693,7 +42362,7 @@
       </p:sp>
       <p:cxnSp>
         <p:nvCxnSpPr>
-          <p:cNvPr id="404" name="Google Shape;404;p46"/>
+          <p:cNvPr id="413" name="Google Shape;413;p46"/>
           <p:cNvCxnSpPr/>
           <p:nvPr/>
         </p:nvCxnSpPr>
